--- a/presentation/demo_bITb.pptx
+++ b/presentation/demo_bITb.pptx
@@ -9,9 +9,10 @@
     <p:sldId id="1112" r:id="rId3"/>
     <p:sldId id="1113" r:id="rId4"/>
     <p:sldId id="1114" r:id="rId5"/>
-    <p:sldId id="1115" r:id="rId6"/>
-    <p:sldId id="1116" r:id="rId7"/>
-    <p:sldId id="1117" r:id="rId8"/>
+    <p:sldId id="1118" r:id="rId6"/>
+    <p:sldId id="1115" r:id="rId7"/>
+    <p:sldId id="1116" r:id="rId8"/>
+    <p:sldId id="1117" r:id="rId9"/>
   </p:sldIdLst>
   <p:sldSz cx="12192000" cy="6858000"/>
   <p:notesSz cx="6858000" cy="9144000"/>
@@ -4188,7 +4189,7 @@
                 </a:solidFill>
                 <a:latin typeface="Croc" panose="020B0502020203020203" pitchFamily="34" charset="-52"/>
               </a:rPr>
-              <a:t>Фронтендер</a:t>
+              <a:t>Фронтер</a:t>
             </a:r>
             <a:endParaRPr lang="ru-RU" dirty="0">
               <a:solidFill>
@@ -4534,7 +4535,7 @@
                 </a:solidFill>
                 <a:latin typeface="Croc" panose="020B0502020203020203" pitchFamily="34" charset="-52"/>
               </a:rPr>
-              <a:t>Фронтобекендер</a:t>
+              <a:t>Фронтобекер</a:t>
             </a:r>
             <a:endParaRPr lang="ru-RU" dirty="0">
               <a:solidFill>
@@ -5214,8 +5215,8 @@
         </p:nvSpPr>
         <p:spPr>
           <a:xfrm>
-            <a:off x="740514" y="1420616"/>
-            <a:ext cx="10710971" cy="2483643"/>
+            <a:off x="740515" y="1420616"/>
+            <a:ext cx="9268190" cy="2483643"/>
           </a:xfrm>
         </p:spPr>
         <p:txBody>
@@ -5418,7 +5419,7 @@
                   <a:srgbClr val="000000"/>
                 </a:solidFill>
               </a:rPr>
-              <a:t>Кому какую пользу хотим принести</a:t>
+              <a:t>Упростить сотрудникам заповедника работу с типовыми вопросами от волонтеров</a:t>
             </a:r>
           </a:p>
         </p:txBody>
@@ -5477,6 +5478,35 @@
           <a:xfrm rot="18730667">
             <a:off x="10573028" y="5762964"/>
             <a:ext cx="681457" cy="585478"/>
+          </a:xfrm>
+          <a:prstGeom prst="rect">
+            <a:avLst/>
+          </a:prstGeom>
+        </p:spPr>
+      </p:pic>
+      <p:pic>
+        <p:nvPicPr>
+          <p:cNvPr id="11" name="Рисунок 10">
+            <a:extLst>
+              <a:ext uri="{FF2B5EF4-FFF2-40B4-BE49-F238E27FC236}">
+                <a16:creationId xmlns:a16="http://schemas.microsoft.com/office/drawing/2014/main" id="{FD95D954-A30F-4B3D-9C45-3EDF23D33E82}"/>
+              </a:ext>
+            </a:extLst>
+          </p:cNvPr>
+          <p:cNvPicPr>
+            <a:picLocks noChangeAspect="1"/>
+          </p:cNvPicPr>
+          <p:nvPr/>
+        </p:nvPicPr>
+        <p:blipFill rotWithShape="1">
+          <a:blip r:embed="rId6"/>
+          <a:srcRect t="13216"/>
+          <a:stretch/>
+        </p:blipFill>
+        <p:spPr>
+          <a:xfrm>
+            <a:off x="3241026" y="2067339"/>
+            <a:ext cx="4862220" cy="3108421"/>
           </a:xfrm>
           <a:prstGeom prst="rect">
             <a:avLst/>
@@ -5707,7 +5737,7 @@
         <p:spPr>
           <a:xfrm>
             <a:off x="740514" y="1420616"/>
-            <a:ext cx="10710971" cy="2483643"/>
+            <a:ext cx="6137364" cy="3326324"/>
           </a:xfrm>
         </p:spPr>
         <p:txBody>
@@ -5898,11 +5928,10 @@
             </a:lvl9pPr>
           </a:lstStyle>
           <a:p>
-            <a:pPr marL="0" indent="0" algn="just">
+            <a:pPr algn="just">
               <a:spcBef>
                 <a:spcPts val="600"/>
               </a:spcBef>
-              <a:buNone/>
             </a:pPr>
             <a:r>
               <a:rPr lang="ru-RU" dirty="0">
@@ -5910,7 +5939,65 @@
                   <a:srgbClr val="000000"/>
                 </a:solidFill>
               </a:rPr>
-              <a:t>Что сделали</a:t>
+              <a:t>Мы сделали бота, которого можно встроить в любое приложение\сайт</a:t>
+            </a:r>
+          </a:p>
+          <a:p>
+            <a:pPr algn="just">
+              <a:spcBef>
+                <a:spcPts val="600"/>
+              </a:spcBef>
+            </a:pPr>
+            <a:r>
+              <a:rPr lang="ru-RU" dirty="0">
+                <a:solidFill>
+                  <a:srgbClr val="000000"/>
+                </a:solidFill>
+              </a:rPr>
+              <a:t>Интегрировали бота в </a:t>
+            </a:r>
+            <a:r>
+              <a:rPr lang="en-US" dirty="0">
+                <a:solidFill>
+                  <a:srgbClr val="000000"/>
+                </a:solidFill>
+              </a:rPr>
+              <a:t>telegram</a:t>
+            </a:r>
+            <a:endParaRPr lang="ru-RU" dirty="0">
+              <a:solidFill>
+                <a:srgbClr val="000000"/>
+              </a:solidFill>
+            </a:endParaRPr>
+          </a:p>
+          <a:p>
+            <a:pPr algn="just">
+              <a:spcBef>
+                <a:spcPts val="600"/>
+              </a:spcBef>
+            </a:pPr>
+            <a:r>
+              <a:rPr lang="ru-RU" dirty="0">
+                <a:solidFill>
+                  <a:srgbClr val="000000"/>
+                </a:solidFill>
+              </a:rPr>
+              <a:t>Спроектировали дизайн приложения для волонтеров</a:t>
+            </a:r>
+          </a:p>
+          <a:p>
+            <a:pPr algn="just">
+              <a:spcBef>
+                <a:spcPts val="600"/>
+              </a:spcBef>
+            </a:pPr>
+            <a:r>
+              <a:rPr lang="ru-RU" dirty="0">
+                <a:solidFill>
+                  <a:srgbClr val="000000"/>
+                </a:solidFill>
+              </a:rPr>
+              <a:t>Сделали прототип приложения</a:t>
             </a:r>
           </a:p>
         </p:txBody>
@@ -5969,6 +6056,36 @@
           <a:xfrm>
             <a:off x="9878944" y="6047110"/>
             <a:ext cx="1755910" cy="254000"/>
+          </a:xfrm>
+          <a:prstGeom prst="rect">
+            <a:avLst/>
+          </a:prstGeom>
+        </p:spPr>
+      </p:pic>
+      <p:pic>
+        <p:nvPicPr>
+          <p:cNvPr id="11" name="Рисунок 10">
+            <a:extLst>
+              <a:ext uri="{FF2B5EF4-FFF2-40B4-BE49-F238E27FC236}">
+                <a16:creationId xmlns:a16="http://schemas.microsoft.com/office/drawing/2014/main" id="{9C03F0BB-74CB-443C-BE96-EA9C353BE4C4}"/>
+              </a:ext>
+            </a:extLst>
+          </p:cNvPr>
+          <p:cNvPicPr>
+            <a:picLocks noChangeAspect="1"/>
+          </p:cNvPicPr>
+          <p:nvPr/>
+        </p:nvPicPr>
+        <p:blipFill>
+          <a:blip r:embed="rId6"/>
+          <a:stretch>
+            <a:fillRect/>
+          </a:stretch>
+        </p:blipFill>
+        <p:spPr>
+          <a:xfrm>
+            <a:off x="7031018" y="1469067"/>
+            <a:ext cx="3341423" cy="3336084"/>
           </a:xfrm>
           <a:prstGeom prst="rect">
             <a:avLst/>
@@ -6067,54 +6184,6 @@
       </p:pic>
       <p:sp>
         <p:nvSpPr>
-          <p:cNvPr id="9" name="Скругленный прямоугольник 8"/>
-          <p:cNvSpPr/>
-          <p:nvPr/>
-        </p:nvSpPr>
-        <p:spPr>
-          <a:xfrm>
-            <a:off x="587375" y="1193419"/>
-            <a:ext cx="5407026" cy="4368004"/>
-          </a:xfrm>
-          <a:prstGeom prst="roundRect">
-            <a:avLst>
-              <a:gd name="adj" fmla="val 0"/>
-            </a:avLst>
-          </a:prstGeom>
-          <a:solidFill>
-            <a:schemeClr val="bg1"/>
-          </a:solidFill>
-          <a:ln>
-            <a:noFill/>
-          </a:ln>
-        </p:spPr>
-        <p:style>
-          <a:lnRef idx="2">
-            <a:schemeClr val="accent1">
-              <a:shade val="50000"/>
-            </a:schemeClr>
-          </a:lnRef>
-          <a:fillRef idx="1">
-            <a:schemeClr val="accent1"/>
-          </a:fillRef>
-          <a:effectRef idx="0">
-            <a:schemeClr val="accent1"/>
-          </a:effectRef>
-          <a:fontRef idx="minor">
-            <a:schemeClr val="lt1"/>
-          </a:fontRef>
-        </p:style>
-        <p:txBody>
-          <a:bodyPr rtlCol="0" anchor="ctr"/>
-          <a:lstStyle/>
-          <a:p>
-            <a:pPr algn="ctr"/>
-            <a:endParaRPr lang="ru-RU"/>
-          </a:p>
-        </p:txBody>
-      </p:sp>
-      <p:sp>
-        <p:nvSpPr>
           <p:cNvPr id="2" name="Номер слайда 1"/>
           <p:cNvSpPr>
             <a:spLocks noGrp="1"/>
@@ -6183,226 +6252,7 @@
                 </a:solidFill>
                 <a:latin typeface="Croc" panose="020B0502020203020203" pitchFamily="34" charset="-52"/>
               </a:rPr>
-              <a:t>Как работает</a:t>
-            </a:r>
-          </a:p>
-        </p:txBody>
-      </p:sp>
-      <p:sp>
-        <p:nvSpPr>
-          <p:cNvPr id="4" name="Подзаголовок 3"/>
-          <p:cNvSpPr txBox="1">
-            <a:spLocks/>
-          </p:cNvSpPr>
-          <p:nvPr/>
-        </p:nvSpPr>
-        <p:spPr>
-          <a:xfrm>
-            <a:off x="740514" y="1420616"/>
-            <a:ext cx="5164985" cy="2483643"/>
-          </a:xfrm>
-        </p:spPr>
-        <p:txBody>
-          <a:bodyPr/>
-          <a:lstStyle>
-            <a:lvl1pPr marL="216000" indent="-216000" algn="l" defTabSz="914400" rtl="0" eaLnBrk="1" latinLnBrk="0" hangingPunct="1">
-              <a:lnSpc>
-                <a:spcPct val="100000"/>
-              </a:lnSpc>
-              <a:spcBef>
-                <a:spcPts val="500"/>
-              </a:spcBef>
-              <a:buClr>
-                <a:schemeClr val="tx1">
-                  <a:lumMod val="75000"/>
-                </a:schemeClr>
-              </a:buClr>
-              <a:buFont typeface="Arial" panose="020B0604020202020204" pitchFamily="34" charset="0"/>
-              <a:buChar char="•"/>
-              <a:defRPr sz="1800" kern="1200" baseline="0">
-                <a:solidFill>
-                  <a:schemeClr val="tx1">
-                    <a:lumMod val="75000"/>
-                  </a:schemeClr>
-                </a:solidFill>
-                <a:latin typeface="Arial" panose="020B0604020202020204" pitchFamily="34" charset="0"/>
-                <a:ea typeface="+mn-ea"/>
-                <a:cs typeface="Arial" panose="020B0604020202020204" pitchFamily="34" charset="0"/>
-              </a:defRPr>
-            </a:lvl1pPr>
-            <a:lvl2pPr marL="432000" indent="-216000" algn="l" defTabSz="914400" rtl="0" eaLnBrk="1" latinLnBrk="0" hangingPunct="1">
-              <a:lnSpc>
-                <a:spcPct val="100000"/>
-              </a:lnSpc>
-              <a:spcBef>
-                <a:spcPts val="500"/>
-              </a:spcBef>
-              <a:buClr>
-                <a:schemeClr val="tx1">
-                  <a:lumMod val="75000"/>
-                </a:schemeClr>
-              </a:buClr>
-              <a:buSzPct val="80000"/>
-              <a:buFont typeface="Arial" panose="020B0604020202020204" pitchFamily="34" charset="0"/>
-              <a:buChar char="•"/>
-              <a:defRPr sz="1800" kern="1200" baseline="0">
-                <a:solidFill>
-                  <a:schemeClr val="tx1">
-                    <a:lumMod val="75000"/>
-                  </a:schemeClr>
-                </a:solidFill>
-                <a:latin typeface="Arial" panose="020B0604020202020204" pitchFamily="34" charset="0"/>
-                <a:ea typeface="+mn-ea"/>
-                <a:cs typeface="Arial" panose="020B0604020202020204" pitchFamily="34" charset="0"/>
-              </a:defRPr>
-            </a:lvl2pPr>
-            <a:lvl3pPr marL="648000" indent="-216000" algn="l" defTabSz="914400" rtl="0" eaLnBrk="1" latinLnBrk="0" hangingPunct="1">
-              <a:lnSpc>
-                <a:spcPct val="100000"/>
-              </a:lnSpc>
-              <a:spcBef>
-                <a:spcPts val="0"/>
-              </a:spcBef>
-              <a:buClr>
-                <a:schemeClr val="tx1">
-                  <a:lumMod val="75000"/>
-                </a:schemeClr>
-              </a:buClr>
-              <a:buSzPct val="65000"/>
-              <a:buFont typeface="Arial" panose="020B0604020202020204" pitchFamily="34" charset="0"/>
-              <a:buChar char="•"/>
-              <a:defRPr sz="1800" kern="1200">
-                <a:solidFill>
-                  <a:schemeClr val="tx1"/>
-                </a:solidFill>
-                <a:latin typeface="+mn-lt"/>
-                <a:ea typeface="+mn-ea"/>
-                <a:cs typeface="+mn-cs"/>
-              </a:defRPr>
-            </a:lvl3pPr>
-            <a:lvl4pPr marL="864000" indent="-216000" algn="l" defTabSz="914400" rtl="0" eaLnBrk="1" latinLnBrk="0" hangingPunct="1">
-              <a:lnSpc>
-                <a:spcPct val="100000"/>
-              </a:lnSpc>
-              <a:spcBef>
-                <a:spcPts val="0"/>
-              </a:spcBef>
-              <a:buFont typeface="Arial" panose="020B0604020202020204" pitchFamily="34" charset="0"/>
-              <a:buChar char="•"/>
-              <a:defRPr sz="1800" kern="1200">
-                <a:solidFill>
-                  <a:schemeClr val="tx1"/>
-                </a:solidFill>
-                <a:latin typeface="+mn-lt"/>
-                <a:ea typeface="+mn-ea"/>
-                <a:cs typeface="+mn-cs"/>
-              </a:defRPr>
-            </a:lvl4pPr>
-            <a:lvl5pPr marL="2057400" indent="-228600" algn="l" defTabSz="914400" rtl="0" eaLnBrk="1" latinLnBrk="0" hangingPunct="1">
-              <a:lnSpc>
-                <a:spcPct val="100000"/>
-              </a:lnSpc>
-              <a:spcBef>
-                <a:spcPts val="500"/>
-              </a:spcBef>
-              <a:buFont typeface="Arial" panose="020B0604020202020204" pitchFamily="34" charset="0"/>
-              <a:buChar char="•"/>
-              <a:defRPr sz="1800" kern="1200">
-                <a:solidFill>
-                  <a:schemeClr val="tx1"/>
-                </a:solidFill>
-                <a:latin typeface="+mn-lt"/>
-                <a:ea typeface="+mn-ea"/>
-                <a:cs typeface="+mn-cs"/>
-              </a:defRPr>
-            </a:lvl5pPr>
-            <a:lvl6pPr marL="2514600" indent="-228600" algn="l" defTabSz="914400" rtl="0" eaLnBrk="1" latinLnBrk="0" hangingPunct="1">
-              <a:lnSpc>
-                <a:spcPct val="90000"/>
-              </a:lnSpc>
-              <a:spcBef>
-                <a:spcPts val="500"/>
-              </a:spcBef>
-              <a:buFont typeface="Arial" panose="020B0604020202020204" pitchFamily="34" charset="0"/>
-              <a:buChar char="•"/>
-              <a:defRPr sz="1800" kern="1200">
-                <a:solidFill>
-                  <a:schemeClr val="tx1"/>
-                </a:solidFill>
-                <a:latin typeface="+mn-lt"/>
-                <a:ea typeface="+mn-ea"/>
-                <a:cs typeface="+mn-cs"/>
-              </a:defRPr>
-            </a:lvl6pPr>
-            <a:lvl7pPr marL="2971800" indent="-228600" algn="l" defTabSz="914400" rtl="0" eaLnBrk="1" latinLnBrk="0" hangingPunct="1">
-              <a:lnSpc>
-                <a:spcPct val="90000"/>
-              </a:lnSpc>
-              <a:spcBef>
-                <a:spcPts val="500"/>
-              </a:spcBef>
-              <a:buFont typeface="Arial" panose="020B0604020202020204" pitchFamily="34" charset="0"/>
-              <a:buChar char="•"/>
-              <a:defRPr sz="1800" kern="1200">
-                <a:solidFill>
-                  <a:schemeClr val="tx1"/>
-                </a:solidFill>
-                <a:latin typeface="+mn-lt"/>
-                <a:ea typeface="+mn-ea"/>
-                <a:cs typeface="+mn-cs"/>
-              </a:defRPr>
-            </a:lvl7pPr>
-            <a:lvl8pPr marL="3429000" indent="-228600" algn="l" defTabSz="914400" rtl="0" eaLnBrk="1" latinLnBrk="0" hangingPunct="1">
-              <a:lnSpc>
-                <a:spcPct val="90000"/>
-              </a:lnSpc>
-              <a:spcBef>
-                <a:spcPts val="500"/>
-              </a:spcBef>
-              <a:buFont typeface="Arial" panose="020B0604020202020204" pitchFamily="34" charset="0"/>
-              <a:buChar char="•"/>
-              <a:defRPr sz="1800" kern="1200">
-                <a:solidFill>
-                  <a:schemeClr val="tx1"/>
-                </a:solidFill>
-                <a:latin typeface="+mn-lt"/>
-                <a:ea typeface="+mn-ea"/>
-                <a:cs typeface="+mn-cs"/>
-              </a:defRPr>
-            </a:lvl8pPr>
-            <a:lvl9pPr marL="3886200" indent="-228600" algn="l" defTabSz="914400" rtl="0" eaLnBrk="1" latinLnBrk="0" hangingPunct="1">
-              <a:lnSpc>
-                <a:spcPct val="90000"/>
-              </a:lnSpc>
-              <a:spcBef>
-                <a:spcPts val="500"/>
-              </a:spcBef>
-              <a:buFont typeface="Arial" panose="020B0604020202020204" pitchFamily="34" charset="0"/>
-              <a:buChar char="•"/>
-              <a:defRPr sz="1800" kern="1200">
-                <a:solidFill>
-                  <a:schemeClr val="tx1"/>
-                </a:solidFill>
-                <a:latin typeface="+mn-lt"/>
-                <a:ea typeface="+mn-ea"/>
-                <a:cs typeface="+mn-cs"/>
-              </a:defRPr>
-            </a:lvl9pPr>
-          </a:lstStyle>
-          <a:p>
-            <a:pPr marL="0" indent="0" algn="just">
-              <a:spcBef>
-                <a:spcPts val="600"/>
-              </a:spcBef>
-              <a:buNone/>
-            </a:pPr>
-            <a:r>
-              <a:rPr lang="ru-RU" dirty="0">
-                <a:solidFill>
-                  <a:srgbClr val="000000"/>
-                </a:solidFill>
-              </a:rPr>
-              <a:t>Технологии</a:t>
+              <a:t>Дизайн</a:t>
             </a:r>
           </a:p>
         </p:txBody>
@@ -6437,302 +6287,120 @@
           </a:prstGeom>
         </p:spPr>
       </p:pic>
-      <p:sp>
-        <p:nvSpPr>
-          <p:cNvPr id="10" name="Скругленный прямоугольник 9"/>
-          <p:cNvSpPr/>
-          <p:nvPr/>
-        </p:nvSpPr>
-        <p:spPr>
-          <a:xfrm>
-            <a:off x="6109440" y="1193419"/>
-            <a:ext cx="5407026" cy="4368004"/>
-          </a:xfrm>
-          <a:prstGeom prst="roundRect">
-            <a:avLst>
-              <a:gd name="adj" fmla="val 0"/>
-            </a:avLst>
-          </a:prstGeom>
-          <a:solidFill>
-            <a:schemeClr val="bg1"/>
-          </a:solidFill>
-          <a:ln>
-            <a:noFill/>
-          </a:ln>
-        </p:spPr>
-        <p:style>
-          <a:lnRef idx="2">
-            <a:schemeClr val="accent1">
-              <a:shade val="50000"/>
-            </a:schemeClr>
-          </a:lnRef>
-          <a:fillRef idx="1">
-            <a:schemeClr val="accent1"/>
-          </a:fillRef>
-          <a:effectRef idx="0">
-            <a:schemeClr val="accent1"/>
-          </a:effectRef>
-          <a:fontRef idx="minor">
-            <a:schemeClr val="lt1"/>
-          </a:fontRef>
-        </p:style>
-        <p:txBody>
-          <a:bodyPr rtlCol="0" anchor="ctr"/>
-          <a:lstStyle/>
-          <a:p>
-            <a:pPr algn="ctr"/>
-            <a:endParaRPr lang="ru-RU"/>
-          </a:p>
-        </p:txBody>
-      </p:sp>
-      <p:sp>
-        <p:nvSpPr>
-          <p:cNvPr id="11" name="Подзаголовок 3"/>
-          <p:cNvSpPr txBox="1">
-            <a:spLocks/>
-          </p:cNvSpPr>
-          <p:nvPr/>
-        </p:nvSpPr>
-        <p:spPr>
-          <a:xfrm>
-            <a:off x="6262579" y="1420616"/>
-            <a:ext cx="5164985" cy="2483643"/>
-          </a:xfrm>
-        </p:spPr>
-        <p:txBody>
-          <a:bodyPr/>
-          <a:lstStyle>
-            <a:lvl1pPr marL="216000" indent="-216000" algn="l" defTabSz="914400" rtl="0" eaLnBrk="1" latinLnBrk="0" hangingPunct="1">
-              <a:lnSpc>
-                <a:spcPct val="100000"/>
-              </a:lnSpc>
-              <a:spcBef>
-                <a:spcPts val="500"/>
-              </a:spcBef>
-              <a:buClr>
-                <a:schemeClr val="tx1">
-                  <a:lumMod val="75000"/>
-                </a:schemeClr>
-              </a:buClr>
-              <a:buFont typeface="Arial" panose="020B0604020202020204" pitchFamily="34" charset="0"/>
-              <a:buChar char="•"/>
-              <a:defRPr sz="1800" kern="1200" baseline="0">
-                <a:solidFill>
-                  <a:schemeClr val="tx1">
-                    <a:lumMod val="75000"/>
-                  </a:schemeClr>
-                </a:solidFill>
-                <a:latin typeface="Arial" panose="020B0604020202020204" pitchFamily="34" charset="0"/>
-                <a:ea typeface="+mn-ea"/>
-                <a:cs typeface="Arial" panose="020B0604020202020204" pitchFamily="34" charset="0"/>
-              </a:defRPr>
-            </a:lvl1pPr>
-            <a:lvl2pPr marL="432000" indent="-216000" algn="l" defTabSz="914400" rtl="0" eaLnBrk="1" latinLnBrk="0" hangingPunct="1">
-              <a:lnSpc>
-                <a:spcPct val="100000"/>
-              </a:lnSpc>
-              <a:spcBef>
-                <a:spcPts val="500"/>
-              </a:spcBef>
-              <a:buClr>
-                <a:schemeClr val="tx1">
-                  <a:lumMod val="75000"/>
-                </a:schemeClr>
-              </a:buClr>
-              <a:buSzPct val="80000"/>
-              <a:buFont typeface="Arial" panose="020B0604020202020204" pitchFamily="34" charset="0"/>
-              <a:buChar char="•"/>
-              <a:defRPr sz="1800" kern="1200" baseline="0">
-                <a:solidFill>
-                  <a:schemeClr val="tx1">
-                    <a:lumMod val="75000"/>
-                  </a:schemeClr>
-                </a:solidFill>
-                <a:latin typeface="Arial" panose="020B0604020202020204" pitchFamily="34" charset="0"/>
-                <a:ea typeface="+mn-ea"/>
-                <a:cs typeface="Arial" panose="020B0604020202020204" pitchFamily="34" charset="0"/>
-              </a:defRPr>
-            </a:lvl2pPr>
-            <a:lvl3pPr marL="648000" indent="-216000" algn="l" defTabSz="914400" rtl="0" eaLnBrk="1" latinLnBrk="0" hangingPunct="1">
-              <a:lnSpc>
-                <a:spcPct val="100000"/>
-              </a:lnSpc>
-              <a:spcBef>
-                <a:spcPts val="0"/>
-              </a:spcBef>
-              <a:buClr>
-                <a:schemeClr val="tx1">
-                  <a:lumMod val="75000"/>
-                </a:schemeClr>
-              </a:buClr>
-              <a:buSzPct val="65000"/>
-              <a:buFont typeface="Arial" panose="020B0604020202020204" pitchFamily="34" charset="0"/>
-              <a:buChar char="•"/>
-              <a:defRPr sz="1800" kern="1200">
-                <a:solidFill>
-                  <a:schemeClr val="tx1"/>
-                </a:solidFill>
-                <a:latin typeface="+mn-lt"/>
-                <a:ea typeface="+mn-ea"/>
-                <a:cs typeface="+mn-cs"/>
-              </a:defRPr>
-            </a:lvl3pPr>
-            <a:lvl4pPr marL="864000" indent="-216000" algn="l" defTabSz="914400" rtl="0" eaLnBrk="1" latinLnBrk="0" hangingPunct="1">
-              <a:lnSpc>
-                <a:spcPct val="100000"/>
-              </a:lnSpc>
-              <a:spcBef>
-                <a:spcPts val="0"/>
-              </a:spcBef>
-              <a:buFont typeface="Arial" panose="020B0604020202020204" pitchFamily="34" charset="0"/>
-              <a:buChar char="•"/>
-              <a:defRPr sz="1800" kern="1200">
-                <a:solidFill>
-                  <a:schemeClr val="tx1"/>
-                </a:solidFill>
-                <a:latin typeface="+mn-lt"/>
-                <a:ea typeface="+mn-ea"/>
-                <a:cs typeface="+mn-cs"/>
-              </a:defRPr>
-            </a:lvl4pPr>
-            <a:lvl5pPr marL="2057400" indent="-228600" algn="l" defTabSz="914400" rtl="0" eaLnBrk="1" latinLnBrk="0" hangingPunct="1">
-              <a:lnSpc>
-                <a:spcPct val="100000"/>
-              </a:lnSpc>
-              <a:spcBef>
-                <a:spcPts val="500"/>
-              </a:spcBef>
-              <a:buFont typeface="Arial" panose="020B0604020202020204" pitchFamily="34" charset="0"/>
-              <a:buChar char="•"/>
-              <a:defRPr sz="1800" kern="1200">
-                <a:solidFill>
-                  <a:schemeClr val="tx1"/>
-                </a:solidFill>
-                <a:latin typeface="+mn-lt"/>
-                <a:ea typeface="+mn-ea"/>
-                <a:cs typeface="+mn-cs"/>
-              </a:defRPr>
-            </a:lvl5pPr>
-            <a:lvl6pPr marL="2514600" indent="-228600" algn="l" defTabSz="914400" rtl="0" eaLnBrk="1" latinLnBrk="0" hangingPunct="1">
-              <a:lnSpc>
-                <a:spcPct val="90000"/>
-              </a:lnSpc>
-              <a:spcBef>
-                <a:spcPts val="500"/>
-              </a:spcBef>
-              <a:buFont typeface="Arial" panose="020B0604020202020204" pitchFamily="34" charset="0"/>
-              <a:buChar char="•"/>
-              <a:defRPr sz="1800" kern="1200">
-                <a:solidFill>
-                  <a:schemeClr val="tx1"/>
-                </a:solidFill>
-                <a:latin typeface="+mn-lt"/>
-                <a:ea typeface="+mn-ea"/>
-                <a:cs typeface="+mn-cs"/>
-              </a:defRPr>
-            </a:lvl6pPr>
-            <a:lvl7pPr marL="2971800" indent="-228600" algn="l" defTabSz="914400" rtl="0" eaLnBrk="1" latinLnBrk="0" hangingPunct="1">
-              <a:lnSpc>
-                <a:spcPct val="90000"/>
-              </a:lnSpc>
-              <a:spcBef>
-                <a:spcPts val="500"/>
-              </a:spcBef>
-              <a:buFont typeface="Arial" panose="020B0604020202020204" pitchFamily="34" charset="0"/>
-              <a:buChar char="•"/>
-              <a:defRPr sz="1800" kern="1200">
-                <a:solidFill>
-                  <a:schemeClr val="tx1"/>
-                </a:solidFill>
-                <a:latin typeface="+mn-lt"/>
-                <a:ea typeface="+mn-ea"/>
-                <a:cs typeface="+mn-cs"/>
-              </a:defRPr>
-            </a:lvl7pPr>
-            <a:lvl8pPr marL="3429000" indent="-228600" algn="l" defTabSz="914400" rtl="0" eaLnBrk="1" latinLnBrk="0" hangingPunct="1">
-              <a:lnSpc>
-                <a:spcPct val="90000"/>
-              </a:lnSpc>
-              <a:spcBef>
-                <a:spcPts val="500"/>
-              </a:spcBef>
-              <a:buFont typeface="Arial" panose="020B0604020202020204" pitchFamily="34" charset="0"/>
-              <a:buChar char="•"/>
-              <a:defRPr sz="1800" kern="1200">
-                <a:solidFill>
-                  <a:schemeClr val="tx1"/>
-                </a:solidFill>
-                <a:latin typeface="+mn-lt"/>
-                <a:ea typeface="+mn-ea"/>
-                <a:cs typeface="+mn-cs"/>
-              </a:defRPr>
-            </a:lvl8pPr>
-            <a:lvl9pPr marL="3886200" indent="-228600" algn="l" defTabSz="914400" rtl="0" eaLnBrk="1" latinLnBrk="0" hangingPunct="1">
-              <a:lnSpc>
-                <a:spcPct val="90000"/>
-              </a:lnSpc>
-              <a:spcBef>
-                <a:spcPts val="500"/>
-              </a:spcBef>
-              <a:buFont typeface="Arial" panose="020B0604020202020204" pitchFamily="34" charset="0"/>
-              <a:buChar char="•"/>
-              <a:defRPr sz="1800" kern="1200">
-                <a:solidFill>
-                  <a:schemeClr val="tx1"/>
-                </a:solidFill>
-                <a:latin typeface="+mn-lt"/>
-                <a:ea typeface="+mn-ea"/>
-                <a:cs typeface="+mn-cs"/>
-              </a:defRPr>
-            </a:lvl9pPr>
-          </a:lstStyle>
-          <a:p>
-            <a:pPr marL="0" indent="0" algn="just">
-              <a:spcBef>
-                <a:spcPts val="600"/>
-              </a:spcBef>
-              <a:buNone/>
-            </a:pPr>
-            <a:r>
-              <a:rPr lang="ru-RU" dirty="0" err="1">
-                <a:solidFill>
-                  <a:srgbClr val="000000"/>
-                </a:solidFill>
-              </a:rPr>
-              <a:t>Архитекутра</a:t>
-            </a:r>
-            <a:endParaRPr lang="ru-RU" dirty="0">
-              <a:solidFill>
-                <a:srgbClr val="000000"/>
-              </a:solidFill>
-            </a:endParaRPr>
-          </a:p>
-        </p:txBody>
-      </p:sp>
       <p:pic>
         <p:nvPicPr>
-          <p:cNvPr id="12" name="Рисунок 11"/>
+          <p:cNvPr id="12" name="Рисунок 11">
+            <a:extLst>
+              <a:ext uri="{FF2B5EF4-FFF2-40B4-BE49-F238E27FC236}">
+                <a16:creationId xmlns:a16="http://schemas.microsoft.com/office/drawing/2014/main" id="{329154DE-0801-498D-B012-C540D28F7D0D}"/>
+              </a:ext>
+            </a:extLst>
+          </p:cNvPr>
           <p:cNvPicPr>
             <a:picLocks noChangeAspect="1"/>
           </p:cNvPicPr>
           <p:nvPr/>
         </p:nvPicPr>
         <p:blipFill>
-          <a:blip r:embed="rId5">
-            <a:extLst>
-              <a:ext uri="{28A0092B-C50C-407E-A947-70E740481C1C}">
-                <a14:useLocalDpi xmlns:a14="http://schemas.microsoft.com/office/drawing/2010/main" val="0"/>
-              </a:ext>
-            </a:extLst>
-          </a:blip>
+          <a:blip r:embed="rId5"/>
           <a:stretch>
             <a:fillRect/>
           </a:stretch>
         </p:blipFill>
         <p:spPr>
           <a:xfrm>
-            <a:off x="10143792" y="6085400"/>
-            <a:ext cx="1460833" cy="190543"/>
+            <a:off x="1251415" y="1049749"/>
+            <a:ext cx="2549552" cy="5142330"/>
+          </a:xfrm>
+          <a:prstGeom prst="rect">
+            <a:avLst/>
+          </a:prstGeom>
+        </p:spPr>
+      </p:pic>
+      <p:pic>
+        <p:nvPicPr>
+          <p:cNvPr id="14" name="Рисунок 13">
+            <a:extLst>
+              <a:ext uri="{FF2B5EF4-FFF2-40B4-BE49-F238E27FC236}">
+                <a16:creationId xmlns:a16="http://schemas.microsoft.com/office/drawing/2014/main" id="{142EDBF6-A94C-4953-9592-DAD0EDFB3BA4}"/>
+              </a:ext>
+            </a:extLst>
+          </p:cNvPr>
+          <p:cNvPicPr>
+            <a:picLocks noChangeAspect="1"/>
+          </p:cNvPicPr>
+          <p:nvPr/>
+        </p:nvPicPr>
+        <p:blipFill>
+          <a:blip r:embed="rId6"/>
+          <a:stretch>
+            <a:fillRect/>
+          </a:stretch>
+        </p:blipFill>
+        <p:spPr>
+          <a:xfrm>
+            <a:off x="6762063" y="837023"/>
+            <a:ext cx="1552323" cy="5354792"/>
+          </a:xfrm>
+          <a:prstGeom prst="rect">
+            <a:avLst/>
+          </a:prstGeom>
+        </p:spPr>
+      </p:pic>
+      <p:pic>
+        <p:nvPicPr>
+          <p:cNvPr id="16" name="Рисунок 15">
+            <a:extLst>
+              <a:ext uri="{FF2B5EF4-FFF2-40B4-BE49-F238E27FC236}">
+                <a16:creationId xmlns:a16="http://schemas.microsoft.com/office/drawing/2014/main" id="{CA991A2E-0573-4AA4-83BA-FD49803B81C8}"/>
+              </a:ext>
+            </a:extLst>
+          </p:cNvPr>
+          <p:cNvPicPr>
+            <a:picLocks noChangeAspect="1"/>
+          </p:cNvPicPr>
+          <p:nvPr/>
+        </p:nvPicPr>
+        <p:blipFill>
+          <a:blip r:embed="rId7"/>
+          <a:stretch>
+            <a:fillRect/>
+          </a:stretch>
+        </p:blipFill>
+        <p:spPr>
+          <a:xfrm>
+            <a:off x="3961816" y="1049747"/>
+            <a:ext cx="2549553" cy="5142331"/>
+          </a:xfrm>
+          <a:prstGeom prst="rect">
+            <a:avLst/>
+          </a:prstGeom>
+        </p:spPr>
+      </p:pic>
+      <p:pic>
+        <p:nvPicPr>
+          <p:cNvPr id="18" name="Рисунок 17">
+            <a:extLst>
+              <a:ext uri="{FF2B5EF4-FFF2-40B4-BE49-F238E27FC236}">
+                <a16:creationId xmlns:a16="http://schemas.microsoft.com/office/drawing/2014/main" id="{C9A4AB6B-EE96-48F1-838C-0ABC5F94F67A}"/>
+              </a:ext>
+            </a:extLst>
+          </p:cNvPr>
+          <p:cNvPicPr>
+            <a:picLocks noChangeAspect="1"/>
+          </p:cNvPicPr>
+          <p:nvPr/>
+        </p:nvPicPr>
+        <p:blipFill>
+          <a:blip r:embed="rId8"/>
+          <a:stretch>
+            <a:fillRect/>
+          </a:stretch>
+        </p:blipFill>
+        <p:spPr>
+          <a:xfrm>
+            <a:off x="8557645" y="977537"/>
+            <a:ext cx="2544722" cy="5094941"/>
           </a:xfrm>
           <a:prstGeom prst="rect">
             <a:avLst/>
@@ -6742,7 +6410,7 @@
     </p:spTree>
     <p:extLst>
       <p:ext uri="{BB962C8B-B14F-4D97-AF65-F5344CB8AC3E}">
-        <p14:creationId xmlns:p14="http://schemas.microsoft.com/office/powerpoint/2010/main" val="692751846"/>
+        <p14:creationId xmlns:p14="http://schemas.microsoft.com/office/powerpoint/2010/main" val="173171628"/>
       </p:ext>
     </p:extLst>
   </p:cSld>
@@ -6837,8 +6505,8 @@
         </p:nvSpPr>
         <p:spPr>
           <a:xfrm>
-            <a:off x="587374" y="1193419"/>
-            <a:ext cx="10169525" cy="4368004"/>
+            <a:off x="512433" y="1193419"/>
+            <a:ext cx="5407026" cy="4368004"/>
           </a:xfrm>
           <a:prstGeom prst="roundRect">
             <a:avLst>
@@ -6947,7 +6615,7 @@
                 </a:solidFill>
                 <a:latin typeface="Croc" panose="020B0502020203020203" pitchFamily="34" charset="-52"/>
               </a:rPr>
-              <a:t>Как можно доработать</a:t>
+              <a:t>Как работает</a:t>
             </a:r>
           </a:p>
         </p:txBody>
@@ -6962,8 +6630,8 @@
         </p:nvSpPr>
         <p:spPr>
           <a:xfrm>
-            <a:off x="740514" y="1420616"/>
-            <a:ext cx="10710971" cy="2483643"/>
+            <a:off x="675535" y="1420615"/>
+            <a:ext cx="5059344" cy="3767611"/>
           </a:xfrm>
         </p:spPr>
         <p:txBody>
@@ -7166,8 +6834,167 @@
                   <a:srgbClr val="000000"/>
                 </a:solidFill>
               </a:rPr>
-              <a:t>Текст слайда</a:t>
-            </a:r>
+              <a:t>Технологии</a:t>
+            </a:r>
+          </a:p>
+          <a:p>
+            <a:pPr marL="0" indent="0" algn="just">
+              <a:spcBef>
+                <a:spcPts val="600"/>
+              </a:spcBef>
+              <a:buNone/>
+            </a:pPr>
+            <a:r>
+              <a:rPr lang="ru-RU" dirty="0" err="1">
+                <a:solidFill>
+                  <a:srgbClr val="000000"/>
+                </a:solidFill>
+              </a:rPr>
+              <a:t>бекенд</a:t>
+            </a:r>
+            <a:r>
+              <a:rPr lang="ru-RU" dirty="0">
+                <a:solidFill>
+                  <a:srgbClr val="000000"/>
+                </a:solidFill>
+              </a:rPr>
+              <a:t> стек:</a:t>
+            </a:r>
+          </a:p>
+          <a:p>
+            <a:pPr marL="0" indent="0" algn="just">
+              <a:spcBef>
+                <a:spcPts val="600"/>
+              </a:spcBef>
+              <a:buNone/>
+            </a:pPr>
+            <a:r>
+              <a:rPr lang="en-US" dirty="0">
+                <a:solidFill>
+                  <a:srgbClr val="000000"/>
+                </a:solidFill>
+              </a:rPr>
+              <a:t>Node JS, Express Js, Mongo DB, Swagger, Docker</a:t>
+            </a:r>
+          </a:p>
+          <a:p>
+            <a:pPr marL="0" indent="0" algn="just">
+              <a:spcBef>
+                <a:spcPts val="600"/>
+              </a:spcBef>
+              <a:buNone/>
+            </a:pPr>
+            <a:endParaRPr lang="en-US" dirty="0">
+              <a:solidFill>
+                <a:srgbClr val="000000"/>
+              </a:solidFill>
+            </a:endParaRPr>
+          </a:p>
+          <a:p>
+            <a:pPr marL="0" indent="0" algn="just">
+              <a:spcBef>
+                <a:spcPts val="600"/>
+              </a:spcBef>
+              <a:buNone/>
+            </a:pPr>
+            <a:r>
+              <a:rPr lang="ru-RU" dirty="0">
+                <a:solidFill>
+                  <a:srgbClr val="000000"/>
+                </a:solidFill>
+              </a:rPr>
+              <a:t>клиентская часть:</a:t>
+            </a:r>
+          </a:p>
+          <a:p>
+            <a:pPr marL="0" indent="0" algn="just">
+              <a:spcBef>
+                <a:spcPts val="600"/>
+              </a:spcBef>
+              <a:buNone/>
+            </a:pPr>
+            <a:r>
+              <a:rPr lang="en-US" dirty="0">
+                <a:solidFill>
+                  <a:srgbClr val="000000"/>
+                </a:solidFill>
+              </a:rPr>
+              <a:t>React Native, Expo, Redux, Magnus UI, </a:t>
+            </a:r>
+            <a:r>
+              <a:rPr lang="en-US" dirty="0" err="1">
+                <a:solidFill>
+                  <a:srgbClr val="000000"/>
+                </a:solidFill>
+              </a:rPr>
+              <a:t>Formik</a:t>
+            </a:r>
+            <a:r>
+              <a:rPr lang="en-US" dirty="0">
+                <a:solidFill>
+                  <a:srgbClr val="000000"/>
+                </a:solidFill>
+              </a:rPr>
+              <a:t>, Yup</a:t>
+            </a:r>
+          </a:p>
+          <a:p>
+            <a:pPr marL="0" indent="0" algn="just">
+              <a:spcBef>
+                <a:spcPts val="600"/>
+              </a:spcBef>
+              <a:buNone/>
+            </a:pPr>
+            <a:endParaRPr lang="ru-RU" dirty="0">
+              <a:solidFill>
+                <a:srgbClr val="000000"/>
+              </a:solidFill>
+            </a:endParaRPr>
+          </a:p>
+          <a:p>
+            <a:pPr marL="0" indent="0" algn="just">
+              <a:spcBef>
+                <a:spcPts val="600"/>
+              </a:spcBef>
+              <a:buNone/>
+            </a:pPr>
+            <a:r>
+              <a:rPr lang="ru-RU" dirty="0">
+                <a:solidFill>
+                  <a:srgbClr val="000000"/>
+                </a:solidFill>
+              </a:rPr>
+              <a:t>бот </a:t>
+            </a:r>
+            <a:r>
+              <a:rPr lang="en-US" dirty="0">
+                <a:solidFill>
+                  <a:srgbClr val="000000"/>
+                </a:solidFill>
+              </a:rPr>
+              <a:t>API:</a:t>
+            </a:r>
+          </a:p>
+          <a:p>
+            <a:pPr marL="0" indent="0" algn="just">
+              <a:spcBef>
+                <a:spcPts val="600"/>
+              </a:spcBef>
+              <a:buNone/>
+            </a:pPr>
+            <a:r>
+              <a:rPr lang="en-US" dirty="0" err="1">
+                <a:solidFill>
+                  <a:srgbClr val="000000"/>
+                </a:solidFill>
+              </a:rPr>
+              <a:t>dialogflow</a:t>
+            </a:r>
+            <a:endParaRPr lang="en-US" dirty="0">
+              <a:solidFill>
+                <a:srgbClr val="000000"/>
+              </a:solidFill>
+            </a:endParaRPr>
           </a:p>
         </p:txBody>
       </p:sp>
@@ -7201,9 +7028,289 @@
           </a:prstGeom>
         </p:spPr>
       </p:pic>
+      <p:sp>
+        <p:nvSpPr>
+          <p:cNvPr id="10" name="Скругленный прямоугольник 9"/>
+          <p:cNvSpPr/>
+          <p:nvPr/>
+        </p:nvSpPr>
+        <p:spPr>
+          <a:xfrm>
+            <a:off x="6109440" y="1193419"/>
+            <a:ext cx="5407026" cy="4368004"/>
+          </a:xfrm>
+          <a:prstGeom prst="roundRect">
+            <a:avLst>
+              <a:gd name="adj" fmla="val 0"/>
+            </a:avLst>
+          </a:prstGeom>
+          <a:solidFill>
+            <a:schemeClr val="bg1"/>
+          </a:solidFill>
+          <a:ln>
+            <a:noFill/>
+          </a:ln>
+        </p:spPr>
+        <p:style>
+          <a:lnRef idx="2">
+            <a:schemeClr val="accent1">
+              <a:shade val="50000"/>
+            </a:schemeClr>
+          </a:lnRef>
+          <a:fillRef idx="1">
+            <a:schemeClr val="accent1"/>
+          </a:fillRef>
+          <a:effectRef idx="0">
+            <a:schemeClr val="accent1"/>
+          </a:effectRef>
+          <a:fontRef idx="minor">
+            <a:schemeClr val="lt1"/>
+          </a:fontRef>
+        </p:style>
+        <p:txBody>
+          <a:bodyPr rtlCol="0" anchor="ctr"/>
+          <a:lstStyle/>
+          <a:p>
+            <a:pPr algn="ctr"/>
+            <a:endParaRPr lang="ru-RU"/>
+          </a:p>
+        </p:txBody>
+      </p:sp>
+      <p:sp>
+        <p:nvSpPr>
+          <p:cNvPr id="11" name="Подзаголовок 3"/>
+          <p:cNvSpPr txBox="1">
+            <a:spLocks/>
+          </p:cNvSpPr>
+          <p:nvPr/>
+        </p:nvSpPr>
+        <p:spPr>
+          <a:xfrm>
+            <a:off x="6262579" y="1420616"/>
+            <a:ext cx="5164985" cy="2483643"/>
+          </a:xfrm>
+        </p:spPr>
+        <p:txBody>
+          <a:bodyPr/>
+          <a:lstStyle>
+            <a:lvl1pPr marL="216000" indent="-216000" algn="l" defTabSz="914400" rtl="0" eaLnBrk="1" latinLnBrk="0" hangingPunct="1">
+              <a:lnSpc>
+                <a:spcPct val="100000"/>
+              </a:lnSpc>
+              <a:spcBef>
+                <a:spcPts val="500"/>
+              </a:spcBef>
+              <a:buClr>
+                <a:schemeClr val="tx1">
+                  <a:lumMod val="75000"/>
+                </a:schemeClr>
+              </a:buClr>
+              <a:buFont typeface="Arial" panose="020B0604020202020204" pitchFamily="34" charset="0"/>
+              <a:buChar char="•"/>
+              <a:defRPr sz="1800" kern="1200" baseline="0">
+                <a:solidFill>
+                  <a:schemeClr val="tx1">
+                    <a:lumMod val="75000"/>
+                  </a:schemeClr>
+                </a:solidFill>
+                <a:latin typeface="Arial" panose="020B0604020202020204" pitchFamily="34" charset="0"/>
+                <a:ea typeface="+mn-ea"/>
+                <a:cs typeface="Arial" panose="020B0604020202020204" pitchFamily="34" charset="0"/>
+              </a:defRPr>
+            </a:lvl1pPr>
+            <a:lvl2pPr marL="432000" indent="-216000" algn="l" defTabSz="914400" rtl="0" eaLnBrk="1" latinLnBrk="0" hangingPunct="1">
+              <a:lnSpc>
+                <a:spcPct val="100000"/>
+              </a:lnSpc>
+              <a:spcBef>
+                <a:spcPts val="500"/>
+              </a:spcBef>
+              <a:buClr>
+                <a:schemeClr val="tx1">
+                  <a:lumMod val="75000"/>
+                </a:schemeClr>
+              </a:buClr>
+              <a:buSzPct val="80000"/>
+              <a:buFont typeface="Arial" panose="020B0604020202020204" pitchFamily="34" charset="0"/>
+              <a:buChar char="•"/>
+              <a:defRPr sz="1800" kern="1200" baseline="0">
+                <a:solidFill>
+                  <a:schemeClr val="tx1">
+                    <a:lumMod val="75000"/>
+                  </a:schemeClr>
+                </a:solidFill>
+                <a:latin typeface="Arial" panose="020B0604020202020204" pitchFamily="34" charset="0"/>
+                <a:ea typeface="+mn-ea"/>
+                <a:cs typeface="Arial" panose="020B0604020202020204" pitchFamily="34" charset="0"/>
+              </a:defRPr>
+            </a:lvl2pPr>
+            <a:lvl3pPr marL="648000" indent="-216000" algn="l" defTabSz="914400" rtl="0" eaLnBrk="1" latinLnBrk="0" hangingPunct="1">
+              <a:lnSpc>
+                <a:spcPct val="100000"/>
+              </a:lnSpc>
+              <a:spcBef>
+                <a:spcPts val="0"/>
+              </a:spcBef>
+              <a:buClr>
+                <a:schemeClr val="tx1">
+                  <a:lumMod val="75000"/>
+                </a:schemeClr>
+              </a:buClr>
+              <a:buSzPct val="65000"/>
+              <a:buFont typeface="Arial" panose="020B0604020202020204" pitchFamily="34" charset="0"/>
+              <a:buChar char="•"/>
+              <a:defRPr sz="1800" kern="1200">
+                <a:solidFill>
+                  <a:schemeClr val="tx1"/>
+                </a:solidFill>
+                <a:latin typeface="+mn-lt"/>
+                <a:ea typeface="+mn-ea"/>
+                <a:cs typeface="+mn-cs"/>
+              </a:defRPr>
+            </a:lvl3pPr>
+            <a:lvl4pPr marL="864000" indent="-216000" algn="l" defTabSz="914400" rtl="0" eaLnBrk="1" latinLnBrk="0" hangingPunct="1">
+              <a:lnSpc>
+                <a:spcPct val="100000"/>
+              </a:lnSpc>
+              <a:spcBef>
+                <a:spcPts val="0"/>
+              </a:spcBef>
+              <a:buFont typeface="Arial" panose="020B0604020202020204" pitchFamily="34" charset="0"/>
+              <a:buChar char="•"/>
+              <a:defRPr sz="1800" kern="1200">
+                <a:solidFill>
+                  <a:schemeClr val="tx1"/>
+                </a:solidFill>
+                <a:latin typeface="+mn-lt"/>
+                <a:ea typeface="+mn-ea"/>
+                <a:cs typeface="+mn-cs"/>
+              </a:defRPr>
+            </a:lvl4pPr>
+            <a:lvl5pPr marL="2057400" indent="-228600" algn="l" defTabSz="914400" rtl="0" eaLnBrk="1" latinLnBrk="0" hangingPunct="1">
+              <a:lnSpc>
+                <a:spcPct val="100000"/>
+              </a:lnSpc>
+              <a:spcBef>
+                <a:spcPts val="500"/>
+              </a:spcBef>
+              <a:buFont typeface="Arial" panose="020B0604020202020204" pitchFamily="34" charset="0"/>
+              <a:buChar char="•"/>
+              <a:defRPr sz="1800" kern="1200">
+                <a:solidFill>
+                  <a:schemeClr val="tx1"/>
+                </a:solidFill>
+                <a:latin typeface="+mn-lt"/>
+                <a:ea typeface="+mn-ea"/>
+                <a:cs typeface="+mn-cs"/>
+              </a:defRPr>
+            </a:lvl5pPr>
+            <a:lvl6pPr marL="2514600" indent="-228600" algn="l" defTabSz="914400" rtl="0" eaLnBrk="1" latinLnBrk="0" hangingPunct="1">
+              <a:lnSpc>
+                <a:spcPct val="90000"/>
+              </a:lnSpc>
+              <a:spcBef>
+                <a:spcPts val="500"/>
+              </a:spcBef>
+              <a:buFont typeface="Arial" panose="020B0604020202020204" pitchFamily="34" charset="0"/>
+              <a:buChar char="•"/>
+              <a:defRPr sz="1800" kern="1200">
+                <a:solidFill>
+                  <a:schemeClr val="tx1"/>
+                </a:solidFill>
+                <a:latin typeface="+mn-lt"/>
+                <a:ea typeface="+mn-ea"/>
+                <a:cs typeface="+mn-cs"/>
+              </a:defRPr>
+            </a:lvl6pPr>
+            <a:lvl7pPr marL="2971800" indent="-228600" algn="l" defTabSz="914400" rtl="0" eaLnBrk="1" latinLnBrk="0" hangingPunct="1">
+              <a:lnSpc>
+                <a:spcPct val="90000"/>
+              </a:lnSpc>
+              <a:spcBef>
+                <a:spcPts val="500"/>
+              </a:spcBef>
+              <a:buFont typeface="Arial" panose="020B0604020202020204" pitchFamily="34" charset="0"/>
+              <a:buChar char="•"/>
+              <a:defRPr sz="1800" kern="1200">
+                <a:solidFill>
+                  <a:schemeClr val="tx1"/>
+                </a:solidFill>
+                <a:latin typeface="+mn-lt"/>
+                <a:ea typeface="+mn-ea"/>
+                <a:cs typeface="+mn-cs"/>
+              </a:defRPr>
+            </a:lvl7pPr>
+            <a:lvl8pPr marL="3429000" indent="-228600" algn="l" defTabSz="914400" rtl="0" eaLnBrk="1" latinLnBrk="0" hangingPunct="1">
+              <a:lnSpc>
+                <a:spcPct val="90000"/>
+              </a:lnSpc>
+              <a:spcBef>
+                <a:spcPts val="500"/>
+              </a:spcBef>
+              <a:buFont typeface="Arial" panose="020B0604020202020204" pitchFamily="34" charset="0"/>
+              <a:buChar char="•"/>
+              <a:defRPr sz="1800" kern="1200">
+                <a:solidFill>
+                  <a:schemeClr val="tx1"/>
+                </a:solidFill>
+                <a:latin typeface="+mn-lt"/>
+                <a:ea typeface="+mn-ea"/>
+                <a:cs typeface="+mn-cs"/>
+              </a:defRPr>
+            </a:lvl8pPr>
+            <a:lvl9pPr marL="3886200" indent="-228600" algn="l" defTabSz="914400" rtl="0" eaLnBrk="1" latinLnBrk="0" hangingPunct="1">
+              <a:lnSpc>
+                <a:spcPct val="90000"/>
+              </a:lnSpc>
+              <a:spcBef>
+                <a:spcPts val="500"/>
+              </a:spcBef>
+              <a:buFont typeface="Arial" panose="020B0604020202020204" pitchFamily="34" charset="0"/>
+              <a:buChar char="•"/>
+              <a:defRPr sz="1800" kern="1200">
+                <a:solidFill>
+                  <a:schemeClr val="tx1"/>
+                </a:solidFill>
+                <a:latin typeface="+mn-lt"/>
+                <a:ea typeface="+mn-ea"/>
+                <a:cs typeface="+mn-cs"/>
+              </a:defRPr>
+            </a:lvl9pPr>
+          </a:lstStyle>
+          <a:p>
+            <a:pPr marL="0" indent="0" algn="just">
+              <a:spcBef>
+                <a:spcPts val="600"/>
+              </a:spcBef>
+              <a:buNone/>
+            </a:pPr>
+            <a:r>
+              <a:rPr lang="ru-RU" dirty="0">
+                <a:solidFill>
+                  <a:srgbClr val="000000"/>
+                </a:solidFill>
+              </a:rPr>
+              <a:t>Архитектура</a:t>
+            </a:r>
+          </a:p>
+          <a:p>
+            <a:pPr marL="0" indent="0" algn="just">
+              <a:spcBef>
+                <a:spcPts val="600"/>
+              </a:spcBef>
+              <a:buNone/>
+            </a:pPr>
+            <a:endParaRPr lang="ru-RU" dirty="0">
+              <a:solidFill>
+                <a:srgbClr val="000000"/>
+              </a:solidFill>
+            </a:endParaRPr>
+          </a:p>
+        </p:txBody>
+      </p:sp>
       <p:pic>
         <p:nvPicPr>
-          <p:cNvPr id="10" name="Рисунок 9"/>
+          <p:cNvPr id="12" name="Рисунок 11"/>
           <p:cNvPicPr>
             <a:picLocks noChangeAspect="1"/>
           </p:cNvPicPr>
@@ -7222,9 +7329,39 @@
           </a:stretch>
         </p:blipFill>
         <p:spPr>
-          <a:xfrm rot="18730667">
-            <a:off x="10573028" y="5762964"/>
-            <a:ext cx="681457" cy="585478"/>
+          <a:xfrm>
+            <a:off x="10143792" y="6085400"/>
+            <a:ext cx="1460833" cy="190543"/>
+          </a:xfrm>
+          <a:prstGeom prst="rect">
+            <a:avLst/>
+          </a:prstGeom>
+        </p:spPr>
+      </p:pic>
+      <p:pic>
+        <p:nvPicPr>
+          <p:cNvPr id="13" name="Рисунок 12">
+            <a:extLst>
+              <a:ext uri="{FF2B5EF4-FFF2-40B4-BE49-F238E27FC236}">
+                <a16:creationId xmlns:a16="http://schemas.microsoft.com/office/drawing/2014/main" id="{7AB9F37E-A690-4886-ABEC-F07B92FFA401}"/>
+              </a:ext>
+            </a:extLst>
+          </p:cNvPr>
+          <p:cNvPicPr>
+            <a:picLocks noChangeAspect="1"/>
+          </p:cNvPicPr>
+          <p:nvPr/>
+        </p:nvPicPr>
+        <p:blipFill>
+          <a:blip r:embed="rId6"/>
+          <a:stretch>
+            <a:fillRect/>
+          </a:stretch>
+        </p:blipFill>
+        <p:spPr>
+          <a:xfrm>
+            <a:off x="6795681" y="2760027"/>
+            <a:ext cx="4019048" cy="1371429"/>
           </a:xfrm>
           <a:prstGeom prst="rect">
             <a:avLst/>
@@ -7234,7 +7371,7 @@
     </p:spTree>
     <p:extLst>
       <p:ext uri="{BB962C8B-B14F-4D97-AF65-F5344CB8AC3E}">
-        <p14:creationId xmlns:p14="http://schemas.microsoft.com/office/powerpoint/2010/main" val="608252542"/>
+        <p14:creationId xmlns:p14="http://schemas.microsoft.com/office/powerpoint/2010/main" val="692751846"/>
       </p:ext>
     </p:extLst>
   </p:cSld>
@@ -7263,6 +7400,588 @@
       </p:grpSpPr>
       <p:pic>
         <p:nvPicPr>
+          <p:cNvPr id="6" name="Рисунок 5"/>
+          <p:cNvPicPr>
+            <a:picLocks noChangeAspect="1"/>
+          </p:cNvPicPr>
+          <p:nvPr/>
+        </p:nvPicPr>
+        <p:blipFill>
+          <a:blip r:embed="rId2">
+            <a:extLst>
+              <a:ext uri="{28A0092B-C50C-407E-A947-70E740481C1C}">
+                <a14:useLocalDpi xmlns:a14="http://schemas.microsoft.com/office/drawing/2010/main" val="0"/>
+              </a:ext>
+            </a:extLst>
+          </a:blip>
+          <a:stretch>
+            <a:fillRect/>
+          </a:stretch>
+        </p:blipFill>
+        <p:spPr>
+          <a:xfrm>
+            <a:off x="8182019" y="-3301497"/>
+            <a:ext cx="7227009" cy="7227009"/>
+          </a:xfrm>
+          <a:prstGeom prst="rect">
+            <a:avLst/>
+          </a:prstGeom>
+        </p:spPr>
+      </p:pic>
+      <p:pic>
+        <p:nvPicPr>
+          <p:cNvPr id="7" name="Рисунок 6"/>
+          <p:cNvPicPr>
+            <a:picLocks noChangeAspect="1"/>
+          </p:cNvPicPr>
+          <p:nvPr/>
+        </p:nvPicPr>
+        <p:blipFill>
+          <a:blip r:embed="rId3">
+            <a:extLst>
+              <a:ext uri="{28A0092B-C50C-407E-A947-70E740481C1C}">
+                <a14:useLocalDpi xmlns:a14="http://schemas.microsoft.com/office/drawing/2010/main" val="0"/>
+              </a:ext>
+            </a:extLst>
+          </a:blip>
+          <a:stretch>
+            <a:fillRect/>
+          </a:stretch>
+        </p:blipFill>
+        <p:spPr>
+          <a:xfrm>
+            <a:off x="-3182046" y="1799182"/>
+            <a:ext cx="9278046" cy="9258757"/>
+          </a:xfrm>
+          <a:prstGeom prst="rect">
+            <a:avLst/>
+          </a:prstGeom>
+        </p:spPr>
+      </p:pic>
+      <p:sp>
+        <p:nvSpPr>
+          <p:cNvPr id="9" name="Скругленный прямоугольник 8"/>
+          <p:cNvSpPr/>
+          <p:nvPr/>
+        </p:nvSpPr>
+        <p:spPr>
+          <a:xfrm>
+            <a:off x="587374" y="1193419"/>
+            <a:ext cx="10169525" cy="4368004"/>
+          </a:xfrm>
+          <a:prstGeom prst="roundRect">
+            <a:avLst>
+              <a:gd name="adj" fmla="val 0"/>
+            </a:avLst>
+          </a:prstGeom>
+          <a:solidFill>
+            <a:schemeClr val="bg1"/>
+          </a:solidFill>
+          <a:ln>
+            <a:noFill/>
+          </a:ln>
+        </p:spPr>
+        <p:style>
+          <a:lnRef idx="2">
+            <a:schemeClr val="accent1">
+              <a:shade val="50000"/>
+            </a:schemeClr>
+          </a:lnRef>
+          <a:fillRef idx="1">
+            <a:schemeClr val="accent1"/>
+          </a:fillRef>
+          <a:effectRef idx="0">
+            <a:schemeClr val="accent1"/>
+          </a:effectRef>
+          <a:fontRef idx="minor">
+            <a:schemeClr val="lt1"/>
+          </a:fontRef>
+        </p:style>
+        <p:txBody>
+          <a:bodyPr rtlCol="0" anchor="ctr"/>
+          <a:lstStyle/>
+          <a:p>
+            <a:pPr algn="ctr"/>
+            <a:endParaRPr lang="ru-RU"/>
+          </a:p>
+        </p:txBody>
+      </p:sp>
+      <p:sp>
+        <p:nvSpPr>
+          <p:cNvPr id="2" name="Номер слайда 1"/>
+          <p:cNvSpPr>
+            <a:spLocks noGrp="1"/>
+          </p:cNvSpPr>
+          <p:nvPr>
+            <p:ph type="sldNum" sz="quarter" idx="4"/>
+          </p:nvPr>
+        </p:nvSpPr>
+        <p:spPr/>
+        <p:txBody>
+          <a:bodyPr/>
+          <a:lstStyle/>
+          <a:p>
+            <a:fld id="{C873F048-D532-42BD-AB62-653627250667}" type="slidenum">
+              <a:rPr lang="ru-RU" smtClean="0"/>
+              <a:pPr/>
+              <a:t>7</a:t>
+            </a:fld>
+            <a:endParaRPr lang="ru-RU" dirty="0"/>
+          </a:p>
+        </p:txBody>
+      </p:sp>
+      <p:sp>
+        <p:nvSpPr>
+          <p:cNvPr id="3" name="Заголовок 2"/>
+          <p:cNvSpPr txBox="1">
+            <a:spLocks/>
+          </p:cNvSpPr>
+          <p:nvPr/>
+        </p:nvSpPr>
+        <p:spPr>
+          <a:xfrm>
+            <a:off x="498475" y="378643"/>
+            <a:ext cx="8306730" cy="688157"/>
+          </a:xfrm>
+          <a:prstGeom prst="rect">
+            <a:avLst/>
+          </a:prstGeom>
+        </p:spPr>
+        <p:txBody>
+          <a:bodyPr/>
+          <a:lstStyle>
+            <a:lvl1pPr algn="l" defTabSz="914400" rtl="0" eaLnBrk="1" latinLnBrk="0" hangingPunct="1">
+              <a:lnSpc>
+                <a:spcPct val="90000"/>
+              </a:lnSpc>
+              <a:spcBef>
+                <a:spcPct val="0"/>
+              </a:spcBef>
+              <a:buNone/>
+              <a:defRPr sz="4400" kern="1200">
+                <a:solidFill>
+                  <a:schemeClr val="tx1"/>
+                </a:solidFill>
+                <a:latin typeface="+mj-lt"/>
+                <a:ea typeface="+mj-ea"/>
+                <a:cs typeface="+mj-cs"/>
+              </a:defRPr>
+            </a:lvl1pPr>
+          </a:lstStyle>
+          <a:p>
+            <a:r>
+              <a:rPr lang="ru-RU" b="1" dirty="0">
+                <a:solidFill>
+                  <a:schemeClr val="bg1"/>
+                </a:solidFill>
+                <a:latin typeface="Croc" panose="020B0502020203020203" pitchFamily="34" charset="-52"/>
+              </a:rPr>
+              <a:t>Как можно доработать</a:t>
+            </a:r>
+          </a:p>
+        </p:txBody>
+      </p:sp>
+      <p:sp>
+        <p:nvSpPr>
+          <p:cNvPr id="4" name="Подзаголовок 3"/>
+          <p:cNvSpPr txBox="1">
+            <a:spLocks/>
+          </p:cNvSpPr>
+          <p:nvPr/>
+        </p:nvSpPr>
+        <p:spPr>
+          <a:xfrm>
+            <a:off x="869723" y="1858570"/>
+            <a:ext cx="9238373" cy="2483643"/>
+          </a:xfrm>
+        </p:spPr>
+        <p:txBody>
+          <a:bodyPr/>
+          <a:lstStyle>
+            <a:lvl1pPr marL="216000" indent="-216000" algn="l" defTabSz="914400" rtl="0" eaLnBrk="1" latinLnBrk="0" hangingPunct="1">
+              <a:lnSpc>
+                <a:spcPct val="100000"/>
+              </a:lnSpc>
+              <a:spcBef>
+                <a:spcPts val="500"/>
+              </a:spcBef>
+              <a:buClr>
+                <a:schemeClr val="tx1">
+                  <a:lumMod val="75000"/>
+                </a:schemeClr>
+              </a:buClr>
+              <a:buFont typeface="Arial" panose="020B0604020202020204" pitchFamily="34" charset="0"/>
+              <a:buChar char="•"/>
+              <a:defRPr sz="1800" kern="1200" baseline="0">
+                <a:solidFill>
+                  <a:schemeClr val="tx1">
+                    <a:lumMod val="75000"/>
+                  </a:schemeClr>
+                </a:solidFill>
+                <a:latin typeface="Arial" panose="020B0604020202020204" pitchFamily="34" charset="0"/>
+                <a:ea typeface="+mn-ea"/>
+                <a:cs typeface="Arial" panose="020B0604020202020204" pitchFamily="34" charset="0"/>
+              </a:defRPr>
+            </a:lvl1pPr>
+            <a:lvl2pPr marL="432000" indent="-216000" algn="l" defTabSz="914400" rtl="0" eaLnBrk="1" latinLnBrk="0" hangingPunct="1">
+              <a:lnSpc>
+                <a:spcPct val="100000"/>
+              </a:lnSpc>
+              <a:spcBef>
+                <a:spcPts val="500"/>
+              </a:spcBef>
+              <a:buClr>
+                <a:schemeClr val="tx1">
+                  <a:lumMod val="75000"/>
+                </a:schemeClr>
+              </a:buClr>
+              <a:buSzPct val="80000"/>
+              <a:buFont typeface="Arial" panose="020B0604020202020204" pitchFamily="34" charset="0"/>
+              <a:buChar char="•"/>
+              <a:defRPr sz="1800" kern="1200" baseline="0">
+                <a:solidFill>
+                  <a:schemeClr val="tx1">
+                    <a:lumMod val="75000"/>
+                  </a:schemeClr>
+                </a:solidFill>
+                <a:latin typeface="Arial" panose="020B0604020202020204" pitchFamily="34" charset="0"/>
+                <a:ea typeface="+mn-ea"/>
+                <a:cs typeface="Arial" panose="020B0604020202020204" pitchFamily="34" charset="0"/>
+              </a:defRPr>
+            </a:lvl2pPr>
+            <a:lvl3pPr marL="648000" indent="-216000" algn="l" defTabSz="914400" rtl="0" eaLnBrk="1" latinLnBrk="0" hangingPunct="1">
+              <a:lnSpc>
+                <a:spcPct val="100000"/>
+              </a:lnSpc>
+              <a:spcBef>
+                <a:spcPts val="0"/>
+              </a:spcBef>
+              <a:buClr>
+                <a:schemeClr val="tx1">
+                  <a:lumMod val="75000"/>
+                </a:schemeClr>
+              </a:buClr>
+              <a:buSzPct val="65000"/>
+              <a:buFont typeface="Arial" panose="020B0604020202020204" pitchFamily="34" charset="0"/>
+              <a:buChar char="•"/>
+              <a:defRPr sz="1800" kern="1200">
+                <a:solidFill>
+                  <a:schemeClr val="tx1"/>
+                </a:solidFill>
+                <a:latin typeface="+mn-lt"/>
+                <a:ea typeface="+mn-ea"/>
+                <a:cs typeface="+mn-cs"/>
+              </a:defRPr>
+            </a:lvl3pPr>
+            <a:lvl4pPr marL="864000" indent="-216000" algn="l" defTabSz="914400" rtl="0" eaLnBrk="1" latinLnBrk="0" hangingPunct="1">
+              <a:lnSpc>
+                <a:spcPct val="100000"/>
+              </a:lnSpc>
+              <a:spcBef>
+                <a:spcPts val="0"/>
+              </a:spcBef>
+              <a:buFont typeface="Arial" panose="020B0604020202020204" pitchFamily="34" charset="0"/>
+              <a:buChar char="•"/>
+              <a:defRPr sz="1800" kern="1200">
+                <a:solidFill>
+                  <a:schemeClr val="tx1"/>
+                </a:solidFill>
+                <a:latin typeface="+mn-lt"/>
+                <a:ea typeface="+mn-ea"/>
+                <a:cs typeface="+mn-cs"/>
+              </a:defRPr>
+            </a:lvl4pPr>
+            <a:lvl5pPr marL="2057400" indent="-228600" algn="l" defTabSz="914400" rtl="0" eaLnBrk="1" latinLnBrk="0" hangingPunct="1">
+              <a:lnSpc>
+                <a:spcPct val="100000"/>
+              </a:lnSpc>
+              <a:spcBef>
+                <a:spcPts val="500"/>
+              </a:spcBef>
+              <a:buFont typeface="Arial" panose="020B0604020202020204" pitchFamily="34" charset="0"/>
+              <a:buChar char="•"/>
+              <a:defRPr sz="1800" kern="1200">
+                <a:solidFill>
+                  <a:schemeClr val="tx1"/>
+                </a:solidFill>
+                <a:latin typeface="+mn-lt"/>
+                <a:ea typeface="+mn-ea"/>
+                <a:cs typeface="+mn-cs"/>
+              </a:defRPr>
+            </a:lvl5pPr>
+            <a:lvl6pPr marL="2514600" indent="-228600" algn="l" defTabSz="914400" rtl="0" eaLnBrk="1" latinLnBrk="0" hangingPunct="1">
+              <a:lnSpc>
+                <a:spcPct val="90000"/>
+              </a:lnSpc>
+              <a:spcBef>
+                <a:spcPts val="500"/>
+              </a:spcBef>
+              <a:buFont typeface="Arial" panose="020B0604020202020204" pitchFamily="34" charset="0"/>
+              <a:buChar char="•"/>
+              <a:defRPr sz="1800" kern="1200">
+                <a:solidFill>
+                  <a:schemeClr val="tx1"/>
+                </a:solidFill>
+                <a:latin typeface="+mn-lt"/>
+                <a:ea typeface="+mn-ea"/>
+                <a:cs typeface="+mn-cs"/>
+              </a:defRPr>
+            </a:lvl6pPr>
+            <a:lvl7pPr marL="2971800" indent="-228600" algn="l" defTabSz="914400" rtl="0" eaLnBrk="1" latinLnBrk="0" hangingPunct="1">
+              <a:lnSpc>
+                <a:spcPct val="90000"/>
+              </a:lnSpc>
+              <a:spcBef>
+                <a:spcPts val="500"/>
+              </a:spcBef>
+              <a:buFont typeface="Arial" panose="020B0604020202020204" pitchFamily="34" charset="0"/>
+              <a:buChar char="•"/>
+              <a:defRPr sz="1800" kern="1200">
+                <a:solidFill>
+                  <a:schemeClr val="tx1"/>
+                </a:solidFill>
+                <a:latin typeface="+mn-lt"/>
+                <a:ea typeface="+mn-ea"/>
+                <a:cs typeface="+mn-cs"/>
+              </a:defRPr>
+            </a:lvl7pPr>
+            <a:lvl8pPr marL="3429000" indent="-228600" algn="l" defTabSz="914400" rtl="0" eaLnBrk="1" latinLnBrk="0" hangingPunct="1">
+              <a:lnSpc>
+                <a:spcPct val="90000"/>
+              </a:lnSpc>
+              <a:spcBef>
+                <a:spcPts val="500"/>
+              </a:spcBef>
+              <a:buFont typeface="Arial" panose="020B0604020202020204" pitchFamily="34" charset="0"/>
+              <a:buChar char="•"/>
+              <a:defRPr sz="1800" kern="1200">
+                <a:solidFill>
+                  <a:schemeClr val="tx1"/>
+                </a:solidFill>
+                <a:latin typeface="+mn-lt"/>
+                <a:ea typeface="+mn-ea"/>
+                <a:cs typeface="+mn-cs"/>
+              </a:defRPr>
+            </a:lvl8pPr>
+            <a:lvl9pPr marL="3886200" indent="-228600" algn="l" defTabSz="914400" rtl="0" eaLnBrk="1" latinLnBrk="0" hangingPunct="1">
+              <a:lnSpc>
+                <a:spcPct val="90000"/>
+              </a:lnSpc>
+              <a:spcBef>
+                <a:spcPts val="500"/>
+              </a:spcBef>
+              <a:buFont typeface="Arial" panose="020B0604020202020204" pitchFamily="34" charset="0"/>
+              <a:buChar char="•"/>
+              <a:defRPr sz="1800" kern="1200">
+                <a:solidFill>
+                  <a:schemeClr val="tx1"/>
+                </a:solidFill>
+                <a:latin typeface="+mn-lt"/>
+                <a:ea typeface="+mn-ea"/>
+                <a:cs typeface="+mn-cs"/>
+              </a:defRPr>
+            </a:lvl9pPr>
+          </a:lstStyle>
+          <a:p>
+            <a:pPr marL="0" indent="0" algn="just">
+              <a:spcBef>
+                <a:spcPts val="600"/>
+              </a:spcBef>
+              <a:buNone/>
+            </a:pPr>
+            <a:r>
+              <a:rPr lang="ru-RU" dirty="0">
+                <a:solidFill>
+                  <a:srgbClr val="000000"/>
+                </a:solidFill>
+              </a:rPr>
+              <a:t>Добавить в приложение:</a:t>
+            </a:r>
+          </a:p>
+          <a:p>
+            <a:pPr algn="just">
+              <a:spcBef>
+                <a:spcPts val="600"/>
+              </a:spcBef>
+            </a:pPr>
+            <a:r>
+              <a:rPr lang="ru-RU" dirty="0">
+                <a:solidFill>
+                  <a:srgbClr val="000000"/>
+                </a:solidFill>
+              </a:rPr>
+              <a:t>Оффлайн справку по самому важному и необходимому для волонтера в процесса работы</a:t>
+            </a:r>
+          </a:p>
+          <a:p>
+            <a:pPr algn="just">
+              <a:spcBef>
+                <a:spcPts val="600"/>
+              </a:spcBef>
+            </a:pPr>
+            <a:r>
+              <a:rPr lang="ru-RU" dirty="0">
+                <a:solidFill>
+                  <a:srgbClr val="000000"/>
+                </a:solidFill>
+              </a:rPr>
+              <a:t>Чек-листы с прохождением этапов регистрации, обучения и заполнения заявок</a:t>
+            </a:r>
+          </a:p>
+          <a:p>
+            <a:pPr algn="just">
+              <a:spcBef>
+                <a:spcPts val="600"/>
+              </a:spcBef>
+            </a:pPr>
+            <a:r>
+              <a:rPr lang="ru-RU" dirty="0">
+                <a:solidFill>
+                  <a:srgbClr val="000000"/>
+                </a:solidFill>
+              </a:rPr>
+              <a:t>Чек-лист с предметами, которые необходимо взять с собой</a:t>
+            </a:r>
+          </a:p>
+          <a:p>
+            <a:pPr algn="just">
+              <a:spcBef>
+                <a:spcPts val="600"/>
+              </a:spcBef>
+            </a:pPr>
+            <a:r>
+              <a:rPr lang="ru-RU" dirty="0">
+                <a:solidFill>
+                  <a:srgbClr val="000000"/>
+                </a:solidFill>
+              </a:rPr>
+              <a:t>Связь со специалистом заповедника</a:t>
+            </a:r>
+          </a:p>
+          <a:p>
+            <a:pPr algn="just">
+              <a:spcBef>
+                <a:spcPts val="600"/>
+              </a:spcBef>
+            </a:pPr>
+            <a:r>
+              <a:rPr lang="ru-RU" dirty="0">
+                <a:solidFill>
+                  <a:srgbClr val="000000"/>
+                </a:solidFill>
+              </a:rPr>
+              <a:t>Имеющегося бота</a:t>
+            </a:r>
+          </a:p>
+          <a:p>
+            <a:pPr algn="just">
+              <a:spcBef>
+                <a:spcPts val="600"/>
+              </a:spcBef>
+            </a:pPr>
+            <a:r>
+              <a:rPr lang="ru-RU" dirty="0">
+                <a:solidFill>
+                  <a:srgbClr val="000000"/>
+                </a:solidFill>
+              </a:rPr>
+              <a:t>Карты территорий кордонов и заповедника</a:t>
+            </a:r>
+          </a:p>
+        </p:txBody>
+      </p:sp>
+      <p:pic>
+        <p:nvPicPr>
+          <p:cNvPr id="5" name="Рисунок 4"/>
+          <p:cNvPicPr>
+            <a:picLocks noChangeAspect="1"/>
+          </p:cNvPicPr>
+          <p:nvPr/>
+        </p:nvPicPr>
+        <p:blipFill>
+          <a:blip r:embed="rId4" cstate="print">
+            <a:extLst>
+              <a:ext uri="{28A0092B-C50C-407E-A947-70E740481C1C}">
+                <a14:useLocalDpi xmlns:a14="http://schemas.microsoft.com/office/drawing/2010/main" val="0"/>
+              </a:ext>
+            </a:extLst>
+          </a:blip>
+          <a:stretch>
+            <a:fillRect/>
+          </a:stretch>
+        </p:blipFill>
+        <p:spPr>
+          <a:xfrm>
+            <a:off x="586000" y="6293805"/>
+            <a:ext cx="1667803" cy="269513"/>
+          </a:xfrm>
+          <a:prstGeom prst="rect">
+            <a:avLst/>
+          </a:prstGeom>
+        </p:spPr>
+      </p:pic>
+      <p:pic>
+        <p:nvPicPr>
+          <p:cNvPr id="10" name="Рисунок 9"/>
+          <p:cNvPicPr>
+            <a:picLocks noChangeAspect="1"/>
+          </p:cNvPicPr>
+          <p:nvPr/>
+        </p:nvPicPr>
+        <p:blipFill>
+          <a:blip r:embed="rId5">
+            <a:extLst>
+              <a:ext uri="{28A0092B-C50C-407E-A947-70E740481C1C}">
+                <a14:useLocalDpi xmlns:a14="http://schemas.microsoft.com/office/drawing/2010/main" val="0"/>
+              </a:ext>
+            </a:extLst>
+          </a:blip>
+          <a:stretch>
+            <a:fillRect/>
+          </a:stretch>
+        </p:blipFill>
+        <p:spPr>
+          <a:xfrm rot="18730667">
+            <a:off x="10573028" y="5762964"/>
+            <a:ext cx="681457" cy="585478"/>
+          </a:xfrm>
+          <a:prstGeom prst="rect">
+            <a:avLst/>
+          </a:prstGeom>
+        </p:spPr>
+      </p:pic>
+    </p:spTree>
+    <p:extLst>
+      <p:ext uri="{BB962C8B-B14F-4D97-AF65-F5344CB8AC3E}">
+        <p14:creationId xmlns:p14="http://schemas.microsoft.com/office/powerpoint/2010/main" val="608252542"/>
+      </p:ext>
+    </p:extLst>
+  </p:cSld>
+  <p:clrMapOvr>
+    <a:masterClrMapping/>
+  </p:clrMapOvr>
+</p:sld>
+</file>
+
+<file path=ppt/slides/slide8.xml><?xml version="1.0" encoding="utf-8"?>
+<p:sld xmlns:a="http://schemas.openxmlformats.org/drawingml/2006/main" xmlns:r="http://schemas.openxmlformats.org/officeDocument/2006/relationships" xmlns:p="http://schemas.openxmlformats.org/presentationml/2006/main">
+  <p:cSld>
+    <p:spTree>
+      <p:nvGrpSpPr>
+        <p:cNvPr id="1" name=""/>
+        <p:cNvGrpSpPr/>
+        <p:nvPr/>
+      </p:nvGrpSpPr>
+      <p:grpSpPr>
+        <a:xfrm>
+          <a:off x="0" y="0"/>
+          <a:ext cx="0" cy="0"/>
+          <a:chOff x="0" y="0"/>
+          <a:chExt cx="0" cy="0"/>
+        </a:xfrm>
+      </p:grpSpPr>
+      <p:pic>
+        <p:nvPicPr>
           <p:cNvPr id="5" name="Рисунок 4"/>
           <p:cNvPicPr>
             <a:picLocks noChangeAspect="1"/>
@@ -7314,7 +8033,7 @@
             <a:fld id="{1947F118-66FC-BE48-93F4-28945D1606A6}" type="slidenum">
               <a:rPr lang="ru-RU" smtClean="0"/>
               <a:pPr/>
-              <a:t>7</a:t>
+              <a:t>8</a:t>
             </a:fld>
             <a:endParaRPr lang="ru-RU"/>
           </a:p>
@@ -7406,7 +8125,7 @@
             <a:fld id="{1947F118-66FC-BE48-93F4-28945D1606A6}" type="slidenum">
               <a:rPr lang="ru-RU" smtClean="0"/>
               <a:pPr/>
-              <a:t>7</a:t>
+              <a:t>8</a:t>
             </a:fld>
             <a:endParaRPr lang="ru-RU"/>
           </a:p>

--- a/presentation/demo_bITb.pptx
+++ b/presentation/demo_bITb.pptx
@@ -8267,6 +8267,36 @@
           </a:p>
         </p:txBody>
       </p:sp>
+      <p:pic>
+        <p:nvPicPr>
+          <p:cNvPr id="12" name="Рисунок 11">
+            <a:extLst>
+              <a:ext uri="{FF2B5EF4-FFF2-40B4-BE49-F238E27FC236}">
+                <a16:creationId xmlns:a16="http://schemas.microsoft.com/office/drawing/2014/main" id="{B5DCE8F7-054A-4DB5-863C-276276EB09D7}"/>
+              </a:ext>
+            </a:extLst>
+          </p:cNvPr>
+          <p:cNvPicPr>
+            <a:picLocks noChangeAspect="1"/>
+          </p:cNvPicPr>
+          <p:nvPr/>
+        </p:nvPicPr>
+        <p:blipFill>
+          <a:blip r:embed="rId7"/>
+          <a:stretch>
+            <a:fillRect/>
+          </a:stretch>
+        </p:blipFill>
+        <p:spPr>
+          <a:xfrm>
+            <a:off x="9628801" y="2640419"/>
+            <a:ext cx="1257300" cy="1257300"/>
+          </a:xfrm>
+          <a:prstGeom prst="rect">
+            <a:avLst/>
+          </a:prstGeom>
+        </p:spPr>
+      </p:pic>
     </p:spTree>
     <p:extLst>
       <p:ext uri="{BB962C8B-B14F-4D97-AF65-F5344CB8AC3E}">
